--- a/presentations/SDM2.pptx
+++ b/presentations/SDM2.pptx
@@ -5462,10 +5462,10 @@
       </p:sp>
       <p:pic>
         <p:nvPicPr>
-          <p:cNvPr id="6" name="Grafika 5">
+          <p:cNvPr id="7" name="Grafika 6">
             <a:extLst>
               <a:ext uri="{FF2B5EF4-FFF2-40B4-BE49-F238E27FC236}">
-                <a16:creationId xmlns:a16="http://schemas.microsoft.com/office/drawing/2014/main" id="{C8D28A49-C31B-47C2-B89F-6E2E0314A6FF}"/>
+                <a16:creationId xmlns:a16="http://schemas.microsoft.com/office/drawing/2014/main" id="{871FB8B0-E579-41EB-A683-663668275AE2}"/>
               </a:ext>
             </a:extLst>
           </p:cNvPr>
@@ -5491,8 +5491,8 @@
         </p:blipFill>
         <p:spPr>
           <a:xfrm>
-            <a:off x="21597" y="3128962"/>
-            <a:ext cx="9100805" cy="1951038"/>
+            <a:off x="44450" y="3055937"/>
+            <a:ext cx="9055100" cy="1941240"/>
           </a:xfrm>
           <a:prstGeom prst="rect">
             <a:avLst/>

--- a/presentations/SDM2.pptx
+++ b/presentations/SDM2.pptx
@@ -215,7 +215,7 @@
           <a:p>
             <a:fld id="{3739033A-E4CD-4FA2-ACEE-167E2D053252}" type="datetimeFigureOut">
               <a:rPr lang="pl-PL" smtClean="0"/>
-              <a:t>18.12.2019</a:t>
+              <a:t>19.12.2019</a:t>
             </a:fld>
             <a:endParaRPr lang="pl-PL"/>
           </a:p>
@@ -613,7 +613,7 @@
           <a:p>
             <a:fld id="{156603BD-E254-4114-AB3C-45C61DA9BE6B}" type="datetime1">
               <a:rPr lang="pl-PL" smtClean="0"/>
-              <a:t>18.12.2019</a:t>
+              <a:t>19.12.2019</a:t>
             </a:fld>
             <a:endParaRPr lang="pl-PL"/>
           </a:p>
@@ -783,7 +783,7 @@
           <a:p>
             <a:fld id="{02DE571D-4977-4ADE-80E2-AF7CBE514ADE}" type="datetime1">
               <a:rPr lang="pl-PL" smtClean="0"/>
-              <a:t>18.12.2019</a:t>
+              <a:t>19.12.2019</a:t>
             </a:fld>
             <a:endParaRPr lang="pl-PL"/>
           </a:p>
@@ -963,7 +963,7 @@
           <a:p>
             <a:fld id="{6F733B7D-F6FF-4075-8F5C-EA4CB4216831}" type="datetime1">
               <a:rPr lang="pl-PL" smtClean="0"/>
-              <a:t>18.12.2019</a:t>
+              <a:t>19.12.2019</a:t>
             </a:fld>
             <a:endParaRPr lang="pl-PL"/>
           </a:p>
@@ -1133,7 +1133,7 @@
           <a:p>
             <a:fld id="{D781A300-278C-4919-88A1-34295EEA40FE}" type="datetime1">
               <a:rPr lang="pl-PL" smtClean="0"/>
-              <a:t>18.12.2019</a:t>
+              <a:t>19.12.2019</a:t>
             </a:fld>
             <a:endParaRPr lang="pl-PL"/>
           </a:p>
@@ -1377,7 +1377,7 @@
           <a:p>
             <a:fld id="{ED5BEFC6-0B72-4B58-BAAA-C938F834E522}" type="datetime1">
               <a:rPr lang="pl-PL" smtClean="0"/>
-              <a:t>18.12.2019</a:t>
+              <a:t>19.12.2019</a:t>
             </a:fld>
             <a:endParaRPr lang="pl-PL"/>
           </a:p>
@@ -1609,7 +1609,7 @@
           <a:p>
             <a:fld id="{3943B954-3242-4E55-9FF9-EAE7054506EF}" type="datetime1">
               <a:rPr lang="pl-PL" smtClean="0"/>
-              <a:t>18.12.2019</a:t>
+              <a:t>19.12.2019</a:t>
             </a:fld>
             <a:endParaRPr lang="pl-PL"/>
           </a:p>
@@ -1976,7 +1976,7 @@
           <a:p>
             <a:fld id="{57671BD3-CFD9-46F4-909D-1408701C24BB}" type="datetime1">
               <a:rPr lang="pl-PL" smtClean="0"/>
-              <a:t>18.12.2019</a:t>
+              <a:t>19.12.2019</a:t>
             </a:fld>
             <a:endParaRPr lang="pl-PL"/>
           </a:p>
@@ -2094,7 +2094,7 @@
           <a:p>
             <a:fld id="{B4F9B8F6-05E7-4EF0-895F-B0A03E2A76ED}" type="datetime1">
               <a:rPr lang="pl-PL" smtClean="0"/>
-              <a:t>18.12.2019</a:t>
+              <a:t>19.12.2019</a:t>
             </a:fld>
             <a:endParaRPr lang="pl-PL"/>
           </a:p>
@@ -2189,7 +2189,7 @@
           <a:p>
             <a:fld id="{CBB67EE4-ACC6-4E80-86F2-CEE54752CF35}" type="datetime1">
               <a:rPr lang="pl-PL" smtClean="0"/>
-              <a:t>18.12.2019</a:t>
+              <a:t>19.12.2019</a:t>
             </a:fld>
             <a:endParaRPr lang="pl-PL"/>
           </a:p>
@@ -2466,7 +2466,7 @@
           <a:p>
             <a:fld id="{FEE95AE1-0951-49D6-BF5B-C54CBC7704DF}" type="datetime1">
               <a:rPr lang="pl-PL" smtClean="0"/>
-              <a:t>18.12.2019</a:t>
+              <a:t>19.12.2019</a:t>
             </a:fld>
             <a:endParaRPr lang="pl-PL"/>
           </a:p>
@@ -2723,7 +2723,7 @@
           <a:p>
             <a:fld id="{F45BB311-A417-4D55-B640-70CFD346A952}" type="datetime1">
               <a:rPr lang="pl-PL" smtClean="0"/>
-              <a:t>18.12.2019</a:t>
+              <a:t>19.12.2019</a:t>
             </a:fld>
             <a:endParaRPr lang="pl-PL"/>
           </a:p>
@@ -2936,7 +2936,7 @@
           <a:p>
             <a:fld id="{ECEB8097-4537-49DE-8D29-6FF8D929B5C1}" type="datetime1">
               <a:rPr lang="pl-PL" smtClean="0"/>
-              <a:t>18.12.2019</a:t>
+              <a:t>19.12.2019</a:t>
             </a:fld>
             <a:endParaRPr lang="pl-PL"/>
           </a:p>
@@ -5420,13 +5420,7 @@
           <a:p>
             <a:r>
               <a:rPr lang="pl-PL" dirty="0"/>
-              <a:t>Oparta na wiedzy ekspertów</a:t>
-            </a:r>
-          </a:p>
-          <a:p>
-            <a:r>
-              <a:rPr lang="pl-PL" dirty="0"/>
-              <a:t>Funkcje przynależności</a:t>
+              <a:t>Zamiast binarnej przynależności do zbioru, przynależność do zbioru w pewnym stopniu</a:t>
             </a:r>
           </a:p>
         </p:txBody>
@@ -5491,7 +5485,7 @@
         </p:blipFill>
         <p:spPr>
           <a:xfrm>
-            <a:off x="44450" y="3055937"/>
+            <a:off x="44450" y="3173383"/>
             <a:ext cx="9055100" cy="1941240"/>
           </a:xfrm>
           <a:prstGeom prst="rect">
